--- a/categories.pptx
+++ b/categories.pptx
@@ -5,16 +5,15 @@
     <p:sldMasterId id="2147483648" r:id="rId1"/>
   </p:sldMasterIdLst>
   <p:notesMasterIdLst>
-    <p:notesMasterId r:id="rId9"/>
+    <p:notesMasterId r:id="rId8"/>
   </p:notesMasterIdLst>
   <p:sldIdLst>
     <p:sldId id="256" r:id="rId2"/>
     <p:sldId id="259" r:id="rId3"/>
-    <p:sldId id="260" r:id="rId4"/>
-    <p:sldId id="261" r:id="rId5"/>
-    <p:sldId id="262" r:id="rId6"/>
-    <p:sldId id="263" r:id="rId7"/>
-    <p:sldId id="264" r:id="rId8"/>
+    <p:sldId id="261" r:id="rId4"/>
+    <p:sldId id="262" r:id="rId5"/>
+    <p:sldId id="264" r:id="rId6"/>
+    <p:sldId id="265" r:id="rId7"/>
   </p:sldIdLst>
   <p:sldSz cx="12192000" cy="6858000"/>
   <p:notesSz cx="6858000" cy="9144000"/>
@@ -113,6 +112,11 @@
       </a:defRPr>
     </a:lvl9pPr>
   </p:defaultTextStyle>
+  <p:extLst>
+    <p:ext uri="{EFAFB233-063F-42B5-8137-9DF3F51BA10A}">
+      <p15:sldGuideLst xmlns:p15="http://schemas.microsoft.com/office/powerpoint/2012/main"/>
+    </p:ext>
+  </p:extLst>
 </p:presentation>
 </file>
 
@@ -3716,7 +3720,7 @@
         <p:spPr>
           <a:xfrm>
             <a:off x="395654" y="600501"/>
-            <a:ext cx="11109409" cy="4801314"/>
+            <a:ext cx="11109409" cy="5293757"/>
           </a:xfrm>
           <a:prstGeom prst="rect">
             <a:avLst/>
@@ -3731,7 +3735,7 @@
           <a:p>
             <a:r>
               <a:rPr lang="en-US" sz="3200" dirty="0"/>
-              <a:t>Programming languages category (based on common paradigms)</a:t>
+              <a:t>Programming languages category (based on most common paradigms)</a:t>
             </a:r>
           </a:p>
           <a:p>
@@ -3765,15 +3769,7 @@
             </a:pPr>
             <a:r>
               <a:rPr lang="en-US" sz="3200" dirty="0"/>
-              <a:t>Declarative: </a:t>
-            </a:r>
-            <a:r>
-              <a:rPr lang="en-US" dirty="0"/>
-              <a:t> </a:t>
-            </a:r>
-            <a:r>
-              <a:rPr lang="en-US" sz="3200" dirty="0"/>
-              <a:t>declares properties of the desired result, but not how to compute it.</a:t>
+              <a:t>Declarative:  declares properties of the desired result, but not how to compute it.</a:t>
             </a:r>
           </a:p>
           <a:p>
@@ -3891,13 +3887,13 @@
           <a:p>
             <a:r>
               <a:rPr lang="en-US" sz="2200" dirty="0"/>
-              <a:t>		   + the first high-level language was implemented</a:t>
-            </a:r>
-          </a:p>
-          <a:p>
-            <a:r>
-              <a:rPr lang="en-US" sz="2200" dirty="0"/>
-              <a:t>		   + used to solve problem with a heavy mathematics or computational flavor.</a:t>
+              <a:t>		   + the first high-level language 		   </a:t>
+            </a:r>
+          </a:p>
+          <a:p>
+            <a:r>
+              <a:rPr lang="en-US" sz="2200" dirty="0"/>
+              <a:t>		   + solve problems with a heavy mathematics or computational flavor.</a:t>
             </a:r>
           </a:p>
           <a:p>
@@ -3945,7 +3941,7 @@
           <a:p>
             <a:r>
               <a:rPr lang="en-US" sz="2200" dirty="0"/>
-              <a:t>		 + designed to serve </a:t>
+              <a:t>		 + serve </a:t>
             </a:r>
             <a:r>
               <a:rPr lang="en-US" sz="2200" dirty="0" err="1"/>
@@ -3971,13 +3967,13 @@
           <a:p>
             <a:r>
               <a:rPr lang="en-US" sz="2200" dirty="0"/>
-              <a:t>		+ + originally designed system programming (UNIX).</a:t>
-            </a:r>
-          </a:p>
-          <a:p>
-            <a:r>
-              <a:rPr lang="en-US" sz="2200" dirty="0"/>
-              <a:t>		+ was a popular language because of its close relationship with UNIX and its 				efficiency.</a:t>
+              <a:t>		+ originally designed system programming (UNIX).</a:t>
+            </a:r>
+          </a:p>
+          <a:p>
+            <a:r>
+              <a:rPr lang="en-US" sz="2200" dirty="0"/>
+              <a:t>		+ was a popular for its close relationship with UNIX and its 				efficiency.</a:t>
             </a:r>
           </a:p>
           <a:p>
@@ -4035,8 +4031,8 @@
         </p:nvSpPr>
         <p:spPr>
           <a:xfrm>
-            <a:off x="386129" y="366623"/>
-            <a:ext cx="11109409" cy="6124754"/>
+            <a:off x="446045" y="289917"/>
+            <a:ext cx="11109409" cy="4770537"/>
           </a:xfrm>
           <a:prstGeom prst="rect">
             <a:avLst/>
@@ -4067,31 +4063,19 @@
           <a:p>
             <a:r>
               <a:rPr lang="en-US" sz="2200" dirty="0"/>
-              <a:t>	- Smalltalk :</a:t>
-            </a:r>
-          </a:p>
-          <a:p>
-            <a:r>
-              <a:rPr lang="en-US" sz="2200" dirty="0"/>
-              <a:t>		+ at the Learning Research Group (LRG) of Xerox PARC by during the 1970s</a:t>
+              <a:t>	- Smalltalk (purely):</a:t>
+            </a:r>
+          </a:p>
+          <a:p>
+            <a:r>
+              <a:rPr lang="en-US" sz="2200" dirty="0"/>
+              <a:t>		+ developed at the Learning Research Group of Xerox PARC by during the 		1970s.</a:t>
             </a:r>
           </a:p>
           <a:p>
             <a:r>
               <a:rPr lang="en-US" sz="2200" dirty="0"/>
               <a:t>		+ first for educational use, later for constructionist learning.</a:t>
-            </a:r>
-          </a:p>
-          <a:p>
-            <a:r>
-              <a:rPr lang="en-US" sz="2200" dirty="0"/>
-              <a:t>		+ have loyal communities, "most loved programming language" in the Stack</a:t>
-            </a:r>
-          </a:p>
-          <a:p>
-            <a:r>
-              <a:rPr lang="en-US" sz="2200" dirty="0"/>
-              <a:t>		Overflow Developer Survey in 2017.</a:t>
             </a:r>
           </a:p>
           <a:p>
@@ -4131,7 +4115,7 @@
             </a:r>
             <a:r>
               <a:rPr lang="en-US" sz="2200" dirty="0"/>
-              <a:t> :             </a:t>
+              <a:t>  (purely):             </a:t>
             </a:r>
           </a:p>
           <a:p>
@@ -4143,39 +4127,13 @@
           <a:p>
             <a:r>
               <a:rPr lang="en-US" sz="2200" dirty="0"/>
-              <a:t>		+ many important programming concepts in this language.</a:t>
-            </a:r>
-          </a:p>
-          <a:p>
-            <a:r>
-              <a:rPr lang="en-US" sz="2200" dirty="0"/>
-              <a:t>	- C++:</a:t>
-            </a:r>
-          </a:p>
-          <a:p>
-            <a:r>
-              <a:rPr lang="en-US" sz="2200" dirty="0"/>
-              <a:t>		+ developed at Bell Labs by Bjarne </a:t>
-            </a:r>
-            <a:r>
-              <a:rPr lang="en-US" sz="2200" dirty="0" err="1"/>
-              <a:t>Stroustrup</a:t>
-            </a:r>
-            <a:r>
-              <a:rPr lang="en-US" sz="2200" dirty="0"/>
-              <a:t> in early 1980s.</a:t>
-            </a:r>
-          </a:p>
-          <a:p>
-            <a:r>
-              <a:rPr lang="en-US" sz="2200" dirty="0"/>
-              <a:t>		+ extending the C programming language. </a:t>
-            </a:r>
-          </a:p>
-          <a:p>
-            <a:r>
-              <a:rPr lang="en-US" sz="2200" dirty="0"/>
-              <a:t>		+ provide the ability to do  object – oriented programming </a:t>
+              <a:t>		+ many important programming concepts.	</a:t>
+            </a:r>
+          </a:p>
+          <a:p>
+            <a:r>
+              <a:rPr lang="en-US" sz="2200" dirty="0"/>
+              <a:t>	</a:t>
             </a:r>
             <a:r>
               <a:rPr lang="en-US" dirty="0"/>
@@ -4190,7 +4148,7 @@
     </p:spTree>
     <p:extLst>
       <p:ext uri="{BB962C8B-B14F-4D97-AF65-F5344CB8AC3E}">
-        <p14:creationId xmlns:p14="http://schemas.microsoft.com/office/powerpoint/2010/main" val="2617334637"/>
+        <p14:creationId xmlns:p14="http://schemas.microsoft.com/office/powerpoint/2010/main" val="3111521534"/>
       </p:ext>
     </p:extLst>
   </p:cSld>
@@ -4231,8 +4189,8 @@
         </p:nvSpPr>
         <p:spPr>
           <a:xfrm>
-            <a:off x="446045" y="289917"/>
-            <a:ext cx="11109409" cy="6463308"/>
+            <a:off x="386129" y="366623"/>
+            <a:ext cx="11109409" cy="5109091"/>
           </a:xfrm>
           <a:prstGeom prst="rect">
             <a:avLst/>
@@ -4257,95 +4215,66 @@
             </a:pPr>
             <a:r>
               <a:rPr lang="en-US" sz="2200" dirty="0"/>
-              <a:t>Object-oriented : groups instructions together with the part of the state they operate on</a:t>
-            </a:r>
-          </a:p>
-          <a:p>
-            <a:r>
-              <a:rPr lang="en-US" sz="2200" dirty="0"/>
-              <a:t>	- Smalltalk (purely):</a:t>
-            </a:r>
-          </a:p>
-          <a:p>
-            <a:r>
-              <a:rPr lang="en-US" sz="2200" dirty="0"/>
-              <a:t>		+ developed at the Learning Research Group (LRG) of Xerox PARC by during the 		1970s.</a:t>
-            </a:r>
-          </a:p>
-          <a:p>
-            <a:r>
-              <a:rPr lang="en-US" sz="2200" dirty="0"/>
-              <a:t>		+ first for educational use, later for constructionist learning.</a:t>
-            </a:r>
-          </a:p>
-          <a:p>
-            <a:r>
-              <a:rPr lang="en-US" sz="2200" dirty="0"/>
-              <a:t>		+ have loyal communities, "most loved programming language" in the Stack</a:t>
-            </a:r>
-          </a:p>
-          <a:p>
-            <a:r>
-              <a:rPr lang="en-US" sz="2200" dirty="0"/>
-              <a:t>		Overflow Developer Survey in 2017.</a:t>
-            </a:r>
-          </a:p>
-          <a:p>
-            <a:r>
-              <a:rPr lang="en-US" sz="2200" dirty="0"/>
-              <a:t>	 - Ruby:   		 </a:t>
-            </a:r>
-          </a:p>
-          <a:p>
-            <a:r>
-              <a:rPr lang="en-US" sz="2200" dirty="0"/>
-              <a:t>		+ developed in 1993 by </a:t>
+              <a:t>Object-oriented : 	</a:t>
+            </a:r>
+          </a:p>
+          <a:p>
+            <a:pPr lvl="2"/>
+            <a:r>
+              <a:rPr lang="en-US" sz="2200" dirty="0"/>
+              <a:t>- Java :</a:t>
+            </a:r>
+          </a:p>
+          <a:p>
+            <a:r>
+              <a:rPr lang="en-US" sz="2200" dirty="0"/>
+              <a:t>		+ developed by James Gosling at Sun Microsystems and released in 1995.</a:t>
+            </a:r>
+          </a:p>
+          <a:p>
+            <a:r>
+              <a:rPr lang="en-US" sz="2200" dirty="0"/>
+              <a:t>		+ features from </a:t>
             </a:r>
             <a:r>
               <a:rPr lang="en-US" sz="2200" dirty="0" err="1"/>
-              <a:t>Matsumiko</a:t>
-            </a:r>
-            <a:r>
-              <a:rPr lang="en-US" sz="2200" dirty="0"/>
-              <a:t> Yukihiro in Japan.		 </a:t>
-            </a:r>
-          </a:p>
-          <a:p>
-            <a:r>
-              <a:rPr lang="en-US" sz="2200" dirty="0"/>
-              <a:t>		+ influenced by Perl, Smalltalk, Eiffel, Ada, and Lisp.</a:t>
-            </a:r>
-          </a:p>
-          <a:p>
-            <a:r>
-              <a:rPr lang="en-US" sz="2200" dirty="0"/>
-              <a:t>	- </a:t>
-            </a:r>
-            <a:r>
-              <a:rPr lang="en-US" sz="2200" dirty="0" err="1"/>
-              <a:t>Effiel</a:t>
-            </a:r>
-            <a:r>
-              <a:rPr lang="en-US" sz="2200" dirty="0"/>
-              <a:t>  (purely):             </a:t>
-            </a:r>
-          </a:p>
-          <a:p>
-            <a:r>
-              <a:rPr lang="en-US" sz="2200" dirty="0"/>
-              <a:t>		+ developed in 1985 by Bertrand Meyer. 		</a:t>
-            </a:r>
-          </a:p>
-          <a:p>
-            <a:r>
-              <a:rPr lang="en-US" sz="2200" dirty="0"/>
-              <a:t>		+ many important programming concepts in this language.</a:t>
-            </a:r>
-          </a:p>
-          <a:p>
-            <a:r>
-              <a:rPr lang="en-US" sz="2200" dirty="0"/>
-              <a:t>	- C++:</a:t>
+              <a:t>SmallTalk</a:t>
+            </a:r>
+            <a:r>
+              <a:rPr lang="en-US" sz="2200" dirty="0"/>
+              <a:t>, with a syntax similar to C and	C++. 				+ fewer low-level facilities than C and  C++, provide garbage collection.</a:t>
+            </a:r>
+          </a:p>
+          <a:p>
+            <a:r>
+              <a:rPr lang="en-US" sz="2200" dirty="0"/>
+              <a:t>	 - C#:</a:t>
+            </a:r>
+          </a:p>
+          <a:p>
+            <a:r>
+              <a:rPr lang="en-US" sz="2200" dirty="0"/>
+              <a:t>		+ developed by Microsoft in 2000.</a:t>
+            </a:r>
+          </a:p>
+          <a:p>
+            <a:r>
+              <a:rPr lang="en-US" sz="2200" dirty="0"/>
+              <a:t>		+ make some improvements over C++ in safe usage.</a:t>
+            </a:r>
+          </a:p>
+          <a:p>
+            <a:r>
+              <a:rPr lang="en-US" sz="2200" dirty="0"/>
+              <a:t>		+ share many features with Java, an object-oriented syntax based on C++. </a:t>
+            </a:r>
+            <a:r>
+              <a:rPr lang="en-US" dirty="0"/>
+              <a:t>	 </a:t>
+            </a:r>
+            <a:r>
+              <a:rPr lang="en-US" sz="2200" dirty="0"/>
+              <a:t>- C++:</a:t>
             </a:r>
           </a:p>
           <a:p>
@@ -4372,10 +4301,6 @@
             <a:r>
               <a:rPr lang="en-US" sz="2200" dirty="0"/>
               <a:t>		+ provide the ability to do  object – oriented programming </a:t>
-            </a:r>
-            <a:r>
-              <a:rPr lang="en-US" dirty="0"/>
-              <a:t>	</a:t>
             </a:r>
           </a:p>
           <a:p>
@@ -4386,7 +4311,7 @@
     </p:spTree>
     <p:extLst>
       <p:ext uri="{BB962C8B-B14F-4D97-AF65-F5344CB8AC3E}">
-        <p14:creationId xmlns:p14="http://schemas.microsoft.com/office/powerpoint/2010/main" val="3111521534"/>
+        <p14:creationId xmlns:p14="http://schemas.microsoft.com/office/powerpoint/2010/main" val="198559458"/>
       </p:ext>
     </p:extLst>
   </p:cSld>
@@ -4428,7 +4353,7 @@
         <p:spPr>
           <a:xfrm>
             <a:off x="386129" y="366623"/>
-            <a:ext cx="11109409" cy="4031873"/>
+            <a:ext cx="11109409" cy="3816429"/>
           </a:xfrm>
           <a:prstGeom prst="rect">
             <a:avLst/>
@@ -4443,7 +4368,7 @@
           <a:p>
             <a:r>
               <a:rPr lang="en-US" sz="2200" dirty="0"/>
-              <a:t>Imperative</a:t>
+              <a:t>Declarative</a:t>
             </a:r>
           </a:p>
           <a:p>
@@ -4453,73 +4378,78 @@
             </a:pPr>
             <a:r>
               <a:rPr lang="en-US" sz="2200" dirty="0"/>
-              <a:t>Object-oriented : 	</a:t>
-            </a:r>
-          </a:p>
-          <a:p>
-            <a:pPr lvl="2"/>
-            <a:r>
-              <a:rPr lang="en-US" sz="2200" dirty="0"/>
-              <a:t>- Java :</a:t>
-            </a:r>
-          </a:p>
-          <a:p>
-            <a:r>
-              <a:rPr lang="en-US" sz="2200" dirty="0"/>
-              <a:t>		+ developed by James Gosling at Sun Microsystems and released in 1995.</a:t>
-            </a:r>
-          </a:p>
-          <a:p>
-            <a:r>
-              <a:rPr lang="en-US" sz="2200" dirty="0"/>
-              <a:t>		+ original features from </a:t>
+              <a:t>Functional : the desired result is declared as the value of a series of function applications	-  Haskell (purely):</a:t>
+            </a:r>
+          </a:p>
+          <a:p>
+            <a:r>
+              <a:rPr lang="en-US" sz="2200" dirty="0"/>
+              <a:t>		+ a open standard for functional languages in late 1980s.</a:t>
+            </a:r>
+          </a:p>
+          <a:p>
+            <a:r>
+              <a:rPr lang="en-US" sz="2200" dirty="0"/>
+              <a:t>		+ first version The first version of Haskell (Haskell 1.0) was defined in 1990.</a:t>
+            </a:r>
+          </a:p>
+          <a:p>
+            <a:r>
+              <a:rPr lang="en-US" sz="2200" dirty="0"/>
+              <a:t>		+ </a:t>
+            </a:r>
+            <a:r>
+              <a:rPr lang="en-US" sz="2200" b="0" i="0" dirty="0">
+                <a:effectLst/>
+              </a:rPr>
+              <a:t>teaching, research and industry.</a:t>
+            </a:r>
+            <a:endParaRPr lang="en-US" sz="2200" dirty="0"/>
+          </a:p>
+          <a:p>
+            <a:r>
+              <a:rPr lang="en-US" sz="2200" dirty="0"/>
+              <a:t> 	 - Elm (purely):</a:t>
+            </a:r>
+          </a:p>
+          <a:p>
+            <a:r>
+              <a:rPr lang="en-US" sz="2200" dirty="0"/>
+              <a:t>		+ designed by Evan </a:t>
             </a:r>
             <a:r>
               <a:rPr lang="en-US" sz="2200" dirty="0" err="1"/>
-              <a:t>SmallTalk</a:t>
-            </a:r>
-            <a:r>
-              <a:rPr lang="en-US" sz="2200" dirty="0"/>
-              <a:t>, with a syntax similar to C and	C++. 			+ fewer low-level facilities than C and  C++, provide garbage collection.</a:t>
-            </a:r>
-          </a:p>
-          <a:p>
-            <a:r>
-              <a:rPr lang="en-US" sz="2200" dirty="0"/>
-              <a:t>	 - C#:</a:t>
-            </a:r>
-          </a:p>
-          <a:p>
-            <a:r>
-              <a:rPr lang="en-US" sz="2200" dirty="0"/>
-              <a:t>		+ developed by Microsoft in 2000.</a:t>
-            </a:r>
-          </a:p>
-          <a:p>
-            <a:r>
-              <a:rPr lang="en-US" sz="2200" dirty="0"/>
-              <a:t>		+ make some improvements over C++ in safe usage.</a:t>
-            </a:r>
-          </a:p>
-          <a:p>
-            <a:r>
-              <a:rPr lang="en-US" sz="2200" dirty="0"/>
-              <a:t>		+ share many features with Java, has an object-oriented syntax based on C++. </a:t>
-            </a:r>
-            <a:r>
-              <a:rPr lang="en-US" dirty="0"/>
-              <a:t>	</a:t>
-            </a:r>
-          </a:p>
-          <a:p>
-            <a:endParaRPr lang="en-US" dirty="0"/>
+              <a:t>Czaplicki</a:t>
+            </a:r>
+            <a:r>
+              <a:rPr lang="en-US" sz="2200" dirty="0"/>
+              <a:t> in 2012					</a:t>
+            </a:r>
+          </a:p>
+          <a:p>
+            <a:r>
+              <a:rPr lang="en-US" sz="2200" dirty="0"/>
+              <a:t>		+ creating web browser-based graphical user interfaces.		</a:t>
+            </a:r>
+          </a:p>
+          <a:p>
+            <a:r>
+              <a:rPr lang="en-US" sz="2200" dirty="0"/>
+              <a:t>		+ share many features with Java, object-oriented syntax based on C++.</a:t>
+            </a:r>
+          </a:p>
+          <a:p>
+            <a:r>
+              <a:rPr lang="en-US" sz="2200" dirty="0"/>
+              <a:t>	- Others: Scala, Elixir, …	</a:t>
+            </a:r>
           </a:p>
         </p:txBody>
       </p:sp>
     </p:spTree>
     <p:extLst>
       <p:ext uri="{BB962C8B-B14F-4D97-AF65-F5344CB8AC3E}">
-        <p14:creationId xmlns:p14="http://schemas.microsoft.com/office/powerpoint/2010/main" val="198559458"/>
+        <p14:creationId xmlns:p14="http://schemas.microsoft.com/office/powerpoint/2010/main" val="3250395714"/>
       </p:ext>
     </p:extLst>
   </p:cSld>
@@ -4561,7 +4491,7 @@
         <p:spPr>
           <a:xfrm>
             <a:off x="386129" y="366623"/>
-            <a:ext cx="11109409" cy="4031873"/>
+            <a:ext cx="11109409" cy="2123658"/>
           </a:xfrm>
           <a:prstGeom prst="rect">
             <a:avLst/>
@@ -4576,207 +4506,7 @@
           <a:p>
             <a:r>
               <a:rPr lang="en-US" sz="2200" dirty="0"/>
-              <a:t>Imperative</a:t>
-            </a:r>
-          </a:p>
-          <a:p>
-            <a:pPr marL="285750" indent="-285750">
-              <a:buFont typeface="Arial" panose="020B0604020202020204" pitchFamily="34" charset="0"/>
-              <a:buChar char="•"/>
-            </a:pPr>
-            <a:r>
-              <a:rPr lang="en-US" sz="2200" dirty="0"/>
-              <a:t>Object-oriented : 	</a:t>
-            </a:r>
-          </a:p>
-          <a:p>
-            <a:pPr lvl="2"/>
-            <a:r>
-              <a:rPr lang="en-US" sz="2200" dirty="0"/>
-              <a:t>- Java :</a:t>
-            </a:r>
-          </a:p>
-          <a:p>
-            <a:r>
-              <a:rPr lang="en-US" sz="2200" dirty="0"/>
-              <a:t>		+ developed by James Gosling at Sun Microsystems and released in 1995.</a:t>
-            </a:r>
-          </a:p>
-          <a:p>
-            <a:r>
-              <a:rPr lang="en-US" sz="2200" dirty="0"/>
-              <a:t>		+ original features from </a:t>
-            </a:r>
-            <a:r>
-              <a:rPr lang="en-US" sz="2200" dirty="0" err="1"/>
-              <a:t>SmallTalk</a:t>
-            </a:r>
-            <a:r>
-              <a:rPr lang="en-US" sz="2200" dirty="0"/>
-              <a:t>, with a syntax similar to C and	C++. 			+ fewer low-level facilities than C and  C++, provide garbage collection.</a:t>
-            </a:r>
-          </a:p>
-          <a:p>
-            <a:r>
-              <a:rPr lang="en-US" sz="2200" dirty="0"/>
-              <a:t>	 - C#:</a:t>
-            </a:r>
-          </a:p>
-          <a:p>
-            <a:r>
-              <a:rPr lang="en-US" sz="2200" dirty="0"/>
-              <a:t>		+ developed by Microsoft in 2000.</a:t>
-            </a:r>
-          </a:p>
-          <a:p>
-            <a:r>
-              <a:rPr lang="en-US" sz="2200" dirty="0"/>
-              <a:t>		+ make some improvements over C++ in safe usage.</a:t>
-            </a:r>
-          </a:p>
-          <a:p>
-            <a:r>
-              <a:rPr lang="en-US" sz="2200" dirty="0"/>
-              <a:t>		+ share many features with Java, has an object-oriented syntax based on C++. </a:t>
-            </a:r>
-            <a:r>
-              <a:rPr lang="en-US" dirty="0"/>
-              <a:t>	</a:t>
-            </a:r>
-          </a:p>
-          <a:p>
-            <a:endParaRPr lang="en-US" dirty="0"/>
-          </a:p>
-        </p:txBody>
-      </p:sp>
-    </p:spTree>
-    <p:extLst>
-      <p:ext uri="{BB962C8B-B14F-4D97-AF65-F5344CB8AC3E}">
-        <p14:creationId xmlns:p14="http://schemas.microsoft.com/office/powerpoint/2010/main" val="1082151447"/>
-      </p:ext>
-    </p:extLst>
-  </p:cSld>
-  <p:clrMapOvr>
-    <a:masterClrMapping/>
-  </p:clrMapOvr>
-</p:sld>
-</file>
-
-<file path=ppt/slides/slide7.xml><?xml version="1.0" encoding="utf-8"?>
-<p:sld xmlns:a="http://schemas.openxmlformats.org/drawingml/2006/main" xmlns:r="http://schemas.openxmlformats.org/officeDocument/2006/relationships" xmlns:p="http://schemas.openxmlformats.org/presentationml/2006/main">
-  <p:cSld>
-    <p:spTree>
-      <p:nvGrpSpPr>
-        <p:cNvPr id="1" name=""/>
-        <p:cNvGrpSpPr/>
-        <p:nvPr/>
-      </p:nvGrpSpPr>
-      <p:grpSpPr>
-        <a:xfrm>
-          <a:off x="0" y="0"/>
-          <a:ext cx="0" cy="0"/>
-          <a:chOff x="0" y="0"/>
-          <a:chExt cx="0" cy="0"/>
-        </a:xfrm>
-      </p:grpSpPr>
-      <p:sp>
-        <p:nvSpPr>
-          <p:cNvPr id="4" name="Hộp Văn bản 3">
-            <a:extLst>
-              <a:ext uri="{FF2B5EF4-FFF2-40B4-BE49-F238E27FC236}">
-                <a16:creationId xmlns:a16="http://schemas.microsoft.com/office/drawing/2014/main" id="{CBC22A56-140B-49AF-BF22-522A937D8F3F}"/>
-              </a:ext>
-            </a:extLst>
-          </p:cNvPr>
-          <p:cNvSpPr txBox="1"/>
-          <p:nvPr/>
-        </p:nvSpPr>
-        <p:spPr>
-          <a:xfrm>
-            <a:off x="386129" y="366623"/>
-            <a:ext cx="11109409" cy="6186309"/>
-          </a:xfrm>
-          <a:prstGeom prst="rect">
-            <a:avLst/>
-          </a:prstGeom>
-          <a:noFill/>
-        </p:spPr>
-        <p:txBody>
-          <a:bodyPr wrap="square" rtlCol="0">
-            <a:spAutoFit/>
-          </a:bodyPr>
-          <a:lstStyle/>
-          <a:p>
-            <a:r>
-              <a:rPr lang="en-US" sz="2200" dirty="0"/>
               <a:t>Declarative</a:t>
-            </a:r>
-          </a:p>
-          <a:p>
-            <a:pPr marL="285750" indent="-285750">
-              <a:buFont typeface="Arial" panose="020B0604020202020204" pitchFamily="34" charset="0"/>
-              <a:buChar char="•"/>
-            </a:pPr>
-            <a:r>
-              <a:rPr lang="en-US" sz="2200" dirty="0"/>
-              <a:t>Functional : the desired result is declared as the value of a series of function applications	-  Haskell (purely):</a:t>
-            </a:r>
-          </a:p>
-          <a:p>
-            <a:r>
-              <a:rPr lang="en-US" sz="2200" dirty="0"/>
-              <a:t>		+ resulted from the effort of a committee to set a open standard for functional 		languages in late 1980s.</a:t>
-            </a:r>
-          </a:p>
-          <a:p>
-            <a:r>
-              <a:rPr lang="en-US" sz="2200" dirty="0"/>
-              <a:t>		+ first version The first version of Haskell (Haskell 1.0) was defined in 1990.</a:t>
-            </a:r>
-          </a:p>
-          <a:p>
-            <a:r>
-              <a:rPr lang="en-US" sz="2200" dirty="0"/>
-              <a:t>		+ </a:t>
-            </a:r>
-            <a:r>
-              <a:rPr lang="en-US" sz="2200" b="0" i="0" dirty="0">
-                <a:effectLst/>
-              </a:rPr>
-              <a:t>widely used in teaching, research and industry.</a:t>
-            </a:r>
-            <a:endParaRPr lang="en-US" sz="2200" dirty="0"/>
-          </a:p>
-          <a:p>
-            <a:r>
-              <a:rPr lang="en-US" sz="2200" dirty="0"/>
-              <a:t> 	 - Elm (purely):</a:t>
-            </a:r>
-          </a:p>
-          <a:p>
-            <a:r>
-              <a:rPr lang="en-US" sz="2200" dirty="0"/>
-              <a:t>		+ Elm was initially designed by Evan </a:t>
-            </a:r>
-            <a:r>
-              <a:rPr lang="en-US" sz="2200" dirty="0" err="1"/>
-              <a:t>Czaplicki</a:t>
-            </a:r>
-            <a:r>
-              <a:rPr lang="en-US" sz="2200" dirty="0"/>
-              <a:t> as his thesis in 2012			+  creating web browser-based graphical user interfaces.		</a:t>
-            </a:r>
-          </a:p>
-          <a:p>
-            <a:r>
-              <a:rPr lang="en-US" sz="2200" dirty="0"/>
-              <a:t>		+ share many features with Java, has an object-oriented syntax based on C++.</a:t>
-            </a:r>
-          </a:p>
-          <a:p>
-            <a:r>
-              <a:rPr lang="en-US" sz="2200" dirty="0"/>
-              <a:t>	- Others: Scala, Elixir, …	</a:t>
             </a:r>
           </a:p>
           <a:p>
@@ -4800,22 +4530,14 @@
             <a:pPr lvl="4"/>
             <a:r>
               <a:rPr lang="en-US" sz="2200" dirty="0"/>
-              <a:t>+ associated with artificial intelligence and computational linguistics.</a:t>
+              <a:t>+ artificial intelligence and computational linguistics.</a:t>
             </a:r>
           </a:p>
           <a:p>
             <a:pPr lvl="4"/>
             <a:r>
               <a:rPr lang="en-US" sz="2200" dirty="0"/>
-              <a:t>+ well-suited for specific tasks that benefit from rule-based logical queries </a:t>
-            </a:r>
-            <a:r>
-              <a:rPr lang="en-US" sz="2200"/>
-              <a:t>such   as </a:t>
-            </a:r>
-            <a:r>
-              <a:rPr lang="en-US" sz="2200" dirty="0"/>
-              <a:t>searching databases, voice control systems</a:t>
+              <a:t>+ specific tasks: searching databases, voice control systems.</a:t>
             </a:r>
           </a:p>
         </p:txBody>
@@ -4823,7 +4545,7 @@
     </p:spTree>
     <p:extLst>
       <p:ext uri="{BB962C8B-B14F-4D97-AF65-F5344CB8AC3E}">
-        <p14:creationId xmlns:p14="http://schemas.microsoft.com/office/powerpoint/2010/main" val="3250395714"/>
+        <p14:creationId xmlns:p14="http://schemas.microsoft.com/office/powerpoint/2010/main" val="2207368965"/>
       </p:ext>
     </p:extLst>
   </p:cSld>
